--- a/doc/02_SlideShare/01.ネタ/２_Reactの基礎/2-2_Reactの基礎知識 ～コンポーネント編～.pptx
+++ b/doc/02_SlideShare/01.ネタ/２_Reactの基礎/2-2_Reactの基礎知識 ～コンポーネント編～.pptx
@@ -208,7 +208,7 @@
           <a:p>
             <a:fld id="{2FA7D4A1-D6E2-4B97-8DF5-43A2A6E9364B}" type="datetimeFigureOut">
               <a:rPr kumimoji="1" lang="ja-JP" altLang="en-US" smtClean="0"/>
-              <a:t>2019/1/6</a:t>
+              <a:t>2019/2/3</a:t>
             </a:fld>
             <a:endParaRPr kumimoji="1" lang="ja-JP" altLang="en-US"/>
           </a:p>
@@ -675,7 +675,7 @@
           <a:p>
             <a:fld id="{2FA7D4A1-D6E2-4B97-8DF5-43A2A6E9364B}" type="datetimeFigureOut">
               <a:rPr kumimoji="1" lang="ja-JP" altLang="en-US" smtClean="0"/>
-              <a:t>2019/1/6</a:t>
+              <a:t>2019/2/3</a:t>
             </a:fld>
             <a:endParaRPr kumimoji="1" lang="ja-JP" altLang="en-US"/>
           </a:p>
@@ -1115,7 +1115,7 @@
           <a:p>
             <a:fld id="{2FA7D4A1-D6E2-4B97-8DF5-43A2A6E9364B}" type="datetimeFigureOut">
               <a:rPr kumimoji="1" lang="ja-JP" altLang="en-US" smtClean="0"/>
-              <a:t>2019/1/6</a:t>
+              <a:t>2019/2/3</a:t>
             </a:fld>
             <a:endParaRPr kumimoji="1" lang="ja-JP" altLang="en-US"/>
           </a:p>
@@ -1240,7 +1240,7 @@
           <a:p>
             <a:fld id="{2FA7D4A1-D6E2-4B97-8DF5-43A2A6E9364B}" type="datetimeFigureOut">
               <a:rPr kumimoji="1" lang="ja-JP" altLang="en-US" smtClean="0"/>
-              <a:t>2019/1/6</a:t>
+              <a:t>2019/2/3</a:t>
             </a:fld>
             <a:endParaRPr kumimoji="1" lang="ja-JP" altLang="en-US"/>
           </a:p>
@@ -1472,7 +1472,7 @@
           <a:p>
             <a:fld id="{2FA7D4A1-D6E2-4B97-8DF5-43A2A6E9364B}" type="datetimeFigureOut">
               <a:rPr kumimoji="1" lang="ja-JP" altLang="en-US" smtClean="0"/>
-              <a:t>2019/1/6</a:t>
+              <a:t>2019/2/3</a:t>
             </a:fld>
             <a:endParaRPr kumimoji="1" lang="ja-JP" altLang="en-US"/>
           </a:p>
@@ -1708,7 +1708,7 @@
                 </a:solidFill>
               </a:rPr>
               <a:pPr/>
-              <a:t>1/6/2019</a:t>
+              <a:t>2/3/2019</a:t>
             </a:fld>
             <a:endParaRPr lang="en-US" dirty="0">
               <a:solidFill>
@@ -2003,7 +2003,7 @@
           <a:p>
             <a:fld id="{2FA7D4A1-D6E2-4B97-8DF5-43A2A6E9364B}" type="datetimeFigureOut">
               <a:rPr kumimoji="1" lang="ja-JP" altLang="en-US" smtClean="0"/>
-              <a:t>2019/1/6</a:t>
+              <a:t>2019/2/3</a:t>
             </a:fld>
             <a:endParaRPr kumimoji="1" lang="ja-JP" altLang="en-US"/>
           </a:p>
@@ -2791,7 +2791,7 @@
         </p:blipFill>
         <p:spPr bwMode="auto">
           <a:xfrm flipH="1">
-            <a:off x="1216916" y="4398228"/>
+            <a:off x="1216916" y="3723551"/>
             <a:ext cx="929351" cy="929351"/>
           </a:xfrm>
           <a:prstGeom prst="rect">
@@ -2817,7 +2817,7 @@
         </p:nvSpPr>
         <p:spPr>
           <a:xfrm>
-            <a:off x="3702215" y="4034699"/>
+            <a:off x="3702215" y="3360022"/>
             <a:ext cx="1978526" cy="910817"/>
           </a:xfrm>
           <a:prstGeom prst="rightArrow">
@@ -3374,7 +3374,7 @@
         </p:blipFill>
         <p:spPr bwMode="auto">
           <a:xfrm>
-            <a:off x="1778253" y="3751143"/>
+            <a:off x="1778253" y="3076466"/>
             <a:ext cx="1911234" cy="1554579"/>
           </a:xfrm>
           <a:prstGeom prst="rect">
@@ -3392,6 +3392,132 @@
           </a:extLst>
         </p:spPr>
       </p:pic>
+      <p:sp>
+        <p:nvSpPr>
+          <p:cNvPr id="18" name="線吹き出し 2 (枠付き) 17"/>
+          <p:cNvSpPr/>
+          <p:nvPr/>
+        </p:nvSpPr>
+        <p:spPr>
+          <a:xfrm>
+            <a:off x="529090" y="4893871"/>
+            <a:ext cx="4830850" cy="1411688"/>
+          </a:xfrm>
+          <a:prstGeom prst="borderCallout2">
+            <a:avLst>
+              <a:gd name="adj1" fmla="val 18373"/>
+              <a:gd name="adj2" fmla="val 99893"/>
+              <a:gd name="adj3" fmla="val 18428"/>
+              <a:gd name="adj4" fmla="val 109445"/>
+              <a:gd name="adj5" fmla="val -23622"/>
+              <a:gd name="adj6" fmla="val 121226"/>
+            </a:avLst>
+          </a:prstGeom>
+          <a:solidFill>
+            <a:schemeClr val="bg1"/>
+          </a:solidFill>
+          <a:ln w="28575">
+            <a:solidFill>
+              <a:srgbClr val="3399FF"/>
+            </a:solidFill>
+          </a:ln>
+        </p:spPr>
+        <p:style>
+          <a:lnRef idx="2">
+            <a:schemeClr val="accent1">
+              <a:shade val="50000"/>
+            </a:schemeClr>
+          </a:lnRef>
+          <a:fillRef idx="1">
+            <a:schemeClr val="accent1"/>
+          </a:fillRef>
+          <a:effectRef idx="0">
+            <a:schemeClr val="accent1"/>
+          </a:effectRef>
+          <a:fontRef idx="minor">
+            <a:schemeClr val="lt1"/>
+          </a:fontRef>
+        </p:style>
+        <p:txBody>
+          <a:bodyPr rtlCol="0" anchor="ctr"/>
+          <a:lstStyle/>
+          <a:p>
+            <a:r>
+              <a:rPr lang="en-US" altLang="ja-JP" dirty="0" smtClean="0">
+                <a:solidFill>
+                  <a:schemeClr val="tx1">
+                    <a:lumMod val="85000"/>
+                    <a:lumOff val="15000"/>
+                  </a:schemeClr>
+                </a:solidFill>
+              </a:rPr>
+              <a:t>React</a:t>
+            </a:r>
+            <a:r>
+              <a:rPr lang="ja-JP" altLang="en-US" dirty="0" smtClean="0">
+                <a:solidFill>
+                  <a:schemeClr val="tx1">
+                    <a:lumMod val="85000"/>
+                    <a:lumOff val="15000"/>
+                  </a:schemeClr>
+                </a:solidFill>
+              </a:rPr>
+              <a:t>では、コンポーネント単位で</a:t>
+            </a:r>
+            <a:r>
+              <a:rPr lang="en-US" altLang="ja-JP" dirty="0" smtClean="0">
+                <a:solidFill>
+                  <a:schemeClr val="tx1">
+                    <a:lumMod val="85000"/>
+                    <a:lumOff val="15000"/>
+                  </a:schemeClr>
+                </a:solidFill>
+              </a:rPr>
+              <a:t>UI</a:t>
+            </a:r>
+            <a:r>
+              <a:rPr lang="ja-JP" altLang="en-US" dirty="0" smtClean="0">
+                <a:solidFill>
+                  <a:schemeClr val="tx1">
+                    <a:lumMod val="85000"/>
+                    <a:lumOff val="15000"/>
+                  </a:schemeClr>
+                </a:solidFill>
+              </a:rPr>
+              <a:t>部品を作成し</a:t>
+            </a:r>
+            <a:endParaRPr lang="en-US" altLang="ja-JP" dirty="0" smtClean="0">
+              <a:solidFill>
+                <a:schemeClr val="tx1">
+                  <a:lumMod val="85000"/>
+                  <a:lumOff val="15000"/>
+                </a:schemeClr>
+              </a:solidFill>
+            </a:endParaRPr>
+          </a:p>
+          <a:p>
+            <a:r>
+              <a:rPr lang="ja-JP" altLang="en-US" dirty="0" smtClean="0">
+                <a:solidFill>
+                  <a:schemeClr val="tx1">
+                    <a:lumMod val="85000"/>
+                    <a:lumOff val="15000"/>
+                  </a:schemeClr>
+                </a:solidFill>
+              </a:rPr>
+              <a:t>コンポーネントを組み合わせることでアプリを構築する</a:t>
+            </a:r>
+            <a:endParaRPr lang="en-US" altLang="ja-JP" dirty="0" smtClean="0">
+              <a:solidFill>
+                <a:schemeClr val="tx1">
+                  <a:lumMod val="85000"/>
+                  <a:lumOff val="15000"/>
+                </a:schemeClr>
+              </a:solidFill>
+            </a:endParaRPr>
+          </a:p>
+        </p:txBody>
+      </p:sp>
     </p:spTree>
     <p:extLst>
       <p:ext uri="{BB962C8B-B14F-4D97-AF65-F5344CB8AC3E}">
@@ -5467,7 +5593,7 @@
         </p:nvSpPr>
         <p:spPr>
           <a:xfrm>
-            <a:off x="871103" y="5162897"/>
+            <a:off x="871103" y="3400599"/>
             <a:ext cx="1828800" cy="618067"/>
           </a:xfrm>
           <a:prstGeom prst="roundRect">
@@ -5514,7 +5640,7 @@
         </p:nvSpPr>
         <p:spPr>
           <a:xfrm>
-            <a:off x="2889753" y="5251800"/>
+            <a:off x="2889753" y="3489502"/>
             <a:ext cx="1083732" cy="457200"/>
           </a:xfrm>
           <a:prstGeom prst="rightArrow">
@@ -5557,7 +5683,7 @@
         </p:nvSpPr>
         <p:spPr>
           <a:xfrm>
-            <a:off x="4163335" y="4491916"/>
+            <a:off x="4163335" y="2729618"/>
             <a:ext cx="2971801" cy="1854198"/>
           </a:xfrm>
           <a:prstGeom prst="roundRect">
@@ -5614,7 +5740,7 @@
         </p:nvSpPr>
         <p:spPr>
           <a:xfrm>
-            <a:off x="4734835" y="5332233"/>
+            <a:off x="4734835" y="3569935"/>
             <a:ext cx="1828800" cy="618067"/>
           </a:xfrm>
           <a:prstGeom prst="roundRect">
@@ -5661,7 +5787,7 @@
         </p:nvSpPr>
         <p:spPr>
           <a:xfrm>
-            <a:off x="8598568" y="4491916"/>
+            <a:off x="8598568" y="2729618"/>
             <a:ext cx="2745935" cy="1854198"/>
           </a:xfrm>
           <a:prstGeom prst="roundRect">
@@ -5937,7 +6063,7 @@
         </p:nvSpPr>
         <p:spPr>
           <a:xfrm>
-            <a:off x="7324986" y="5190415"/>
+            <a:off x="7324986" y="3428117"/>
             <a:ext cx="1083732" cy="457200"/>
           </a:xfrm>
           <a:prstGeom prst="rightArrow">
@@ -5974,115 +6100,148 @@
       </p:sp>
       <p:sp>
         <p:nvSpPr>
-          <p:cNvPr id="13" name="テキスト ボックス 12"/>
-          <p:cNvSpPr txBox="1"/>
+          <p:cNvPr id="19" name="線吹き出し 2 (枠付き) 18"/>
+          <p:cNvSpPr/>
           <p:nvPr/>
         </p:nvSpPr>
         <p:spPr>
           <a:xfrm>
-            <a:off x="555219" y="2414699"/>
-            <a:ext cx="7466563" cy="461665"/>
-          </a:xfrm>
-          <a:prstGeom prst="rect">
-            <a:avLst/>
+            <a:off x="7000789" y="4909276"/>
+            <a:ext cx="4264163" cy="831273"/>
+          </a:xfrm>
+          <a:prstGeom prst="borderCallout2">
+            <a:avLst>
+              <a:gd name="adj1" fmla="val 17750"/>
+              <a:gd name="adj2" fmla="val 413"/>
+              <a:gd name="adj3" fmla="val 18750"/>
+              <a:gd name="adj4" fmla="val -16667"/>
+              <a:gd name="adj5" fmla="val -78500"/>
+              <a:gd name="adj6" fmla="val -25345"/>
+            </a:avLst>
           </a:prstGeom>
-          <a:noFill/>
-        </p:spPr>
+          <a:solidFill>
+            <a:schemeClr val="bg1"/>
+          </a:solidFill>
+          <a:ln w="28575">
+            <a:solidFill>
+              <a:srgbClr val="3399FF"/>
+            </a:solidFill>
+          </a:ln>
+        </p:spPr>
+        <p:style>
+          <a:lnRef idx="2">
+            <a:schemeClr val="accent1">
+              <a:shade val="50000"/>
+            </a:schemeClr>
+          </a:lnRef>
+          <a:fillRef idx="1">
+            <a:schemeClr val="accent1"/>
+          </a:fillRef>
+          <a:effectRef idx="0">
+            <a:schemeClr val="accent1"/>
+          </a:effectRef>
+          <a:fontRef idx="minor">
+            <a:schemeClr val="lt1"/>
+          </a:fontRef>
+        </p:style>
         <p:txBody>
-          <a:bodyPr wrap="square" rtlCol="0">
-            <a:spAutoFit/>
-          </a:bodyPr>
-          <a:lstStyle>
-            <a:defPPr>
-              <a:defRPr lang="ja-JP"/>
-            </a:defPPr>
-            <a:lvl1pPr marL="342900" indent="-342900">
-              <a:buClr>
-                <a:schemeClr val="accent2"/>
-              </a:buClr>
-              <a:buFont typeface="Wingdings" panose="05000000000000000000" pitchFamily="2" charset="2"/>
-              <a:buChar char="Ø"/>
-              <a:defRPr sz="2400" b="0">
+          <a:bodyPr rtlCol="0" anchor="ctr"/>
+          <a:lstStyle/>
+          <a:p>
+            <a:r>
+              <a:rPr lang="ja-JP" altLang="en-US" dirty="0">
                 <a:solidFill>
-                  <a:prstClr val="black"/>
+                  <a:schemeClr val="tx1"/>
                 </a:solidFill>
-                <a:latin typeface="+mn-ea"/>
-              </a:defRPr>
-            </a:lvl1pPr>
-          </a:lstStyle>
-          <a:p>
-            <a:r>
-              <a:rPr lang="en-US" altLang="ja-JP" dirty="0"/>
-              <a:t>p</a:t>
-            </a:r>
-            <a:r>
-              <a:rPr lang="en-US" altLang="ja-JP" dirty="0" smtClean="0"/>
-              <a:t>rops</a:t>
-            </a:r>
-            <a:r>
-              <a:rPr lang="ja-JP" altLang="en-US" dirty="0" smtClean="0"/>
-              <a:t> ⇒ コンポーネントの外部から渡されるオブジェクト</a:t>
-            </a:r>
-            <a:endParaRPr lang="ja-JP" altLang="en-US" dirty="0"/>
+              </a:rPr>
+              <a:t>コンポーネントの内部で保持されるオブジェクト</a:t>
+            </a:r>
+            <a:endParaRPr lang="en-US" altLang="ja-JP" dirty="0">
+              <a:solidFill>
+                <a:schemeClr val="tx1"/>
+              </a:solidFill>
+            </a:endParaRPr>
           </a:p>
         </p:txBody>
       </p:sp>
       <p:sp>
         <p:nvSpPr>
-          <p:cNvPr id="14" name="テキスト ボックス 13"/>
-          <p:cNvSpPr txBox="1"/>
+          <p:cNvPr id="22" name="線吹き出し 2 (枠付き) 21"/>
+          <p:cNvSpPr/>
           <p:nvPr/>
         </p:nvSpPr>
         <p:spPr>
           <a:xfrm>
-            <a:off x="555219" y="3189934"/>
-            <a:ext cx="7466563" cy="461665"/>
-          </a:xfrm>
-          <a:prstGeom prst="rect">
-            <a:avLst/>
+            <a:off x="2191408" y="4909276"/>
+            <a:ext cx="2796230" cy="831273"/>
+          </a:xfrm>
+          <a:prstGeom prst="borderCallout2">
+            <a:avLst>
+              <a:gd name="adj1" fmla="val 17750"/>
+              <a:gd name="adj2" fmla="val 413"/>
+              <a:gd name="adj3" fmla="val 18750"/>
+              <a:gd name="adj4" fmla="val -15181"/>
+              <a:gd name="adj5" fmla="val -100500"/>
+              <a:gd name="adj6" fmla="val -25940"/>
+            </a:avLst>
           </a:prstGeom>
-          <a:noFill/>
-        </p:spPr>
+          <a:solidFill>
+            <a:schemeClr val="bg1"/>
+          </a:solidFill>
+          <a:ln w="28575">
+            <a:solidFill>
+              <a:srgbClr val="3399FF"/>
+            </a:solidFill>
+          </a:ln>
+        </p:spPr>
+        <p:style>
+          <a:lnRef idx="2">
+            <a:schemeClr val="accent1">
+              <a:shade val="50000"/>
+            </a:schemeClr>
+          </a:lnRef>
+          <a:fillRef idx="1">
+            <a:schemeClr val="accent1"/>
+          </a:fillRef>
+          <a:effectRef idx="0">
+            <a:schemeClr val="accent1"/>
+          </a:effectRef>
+          <a:fontRef idx="minor">
+            <a:schemeClr val="lt1"/>
+          </a:fontRef>
+        </p:style>
         <p:txBody>
-          <a:bodyPr wrap="square" rtlCol="0">
-            <a:spAutoFit/>
-          </a:bodyPr>
-          <a:lstStyle>
-            <a:defPPr>
-              <a:defRPr lang="ja-JP"/>
-            </a:defPPr>
-            <a:lvl1pPr marL="342900" indent="-342900">
-              <a:buClr>
-                <a:schemeClr val="accent2"/>
-              </a:buClr>
-              <a:buFont typeface="Wingdings" panose="05000000000000000000" pitchFamily="2" charset="2"/>
-              <a:buChar char="Ø"/>
-              <a:defRPr sz="2400" b="0">
+          <a:bodyPr rtlCol="0" anchor="ctr"/>
+          <a:lstStyle/>
+          <a:p>
+            <a:r>
+              <a:rPr lang="ja-JP" altLang="en-US" dirty="0">
                 <a:solidFill>
-                  <a:prstClr val="black"/>
+                  <a:schemeClr val="tx1"/>
                 </a:solidFill>
-                <a:latin typeface="+mn-ea"/>
-              </a:defRPr>
-            </a:lvl1pPr>
-          </a:lstStyle>
-          <a:p>
-            <a:r>
-              <a:rPr lang="en-US" altLang="ja-JP" dirty="0" smtClean="0"/>
-              <a:t>state</a:t>
-            </a:r>
-            <a:r>
-              <a:rPr lang="ja-JP" altLang="en-US" dirty="0" smtClean="0"/>
-              <a:t> </a:t>
-            </a:r>
-            <a:r>
-              <a:rPr lang="en-US" altLang="ja-JP" dirty="0"/>
-              <a:t> </a:t>
-            </a:r>
-            <a:r>
-              <a:rPr lang="ja-JP" altLang="en-US" dirty="0" smtClean="0"/>
-              <a:t>⇒ コンポーネントの内部で保持されるオブジェクト</a:t>
-            </a:r>
-            <a:endParaRPr lang="ja-JP" altLang="en-US" dirty="0"/>
+              </a:rPr>
+              <a:t>コンポーネントの外部から</a:t>
+            </a:r>
+            <a:endParaRPr lang="en-US" altLang="ja-JP" dirty="0">
+              <a:solidFill>
+                <a:schemeClr val="tx1"/>
+              </a:solidFill>
+            </a:endParaRPr>
+          </a:p>
+          <a:p>
+            <a:r>
+              <a:rPr lang="ja-JP" altLang="en-US" dirty="0">
+                <a:solidFill>
+                  <a:schemeClr val="tx1"/>
+                </a:solidFill>
+              </a:rPr>
+              <a:t>渡されるオブジェクト</a:t>
+            </a:r>
+            <a:endParaRPr lang="ja-JP" altLang="en-US" dirty="0">
+              <a:solidFill>
+                <a:schemeClr val="tx1"/>
+              </a:solidFill>
+            </a:endParaRPr>
           </a:p>
         </p:txBody>
       </p:sp>
@@ -6994,7 +7153,7 @@
             <a:avLst/>
           </a:prstGeom>
           <a:noFill/>
-          <a:ln>
+          <a:ln w="19050">
             <a:solidFill>
               <a:srgbClr val="FF0000"/>
             </a:solidFill>
@@ -8580,6 +8739,65 @@
           <a:chExt cx="0" cy="0"/>
         </a:xfrm>
       </p:grpSpPr>
+      <p:sp>
+        <p:nvSpPr>
+          <p:cNvPr id="5" name="角丸四角形 4"/>
+          <p:cNvSpPr/>
+          <p:nvPr/>
+        </p:nvSpPr>
+        <p:spPr>
+          <a:xfrm>
+            <a:off x="2075679" y="4464895"/>
+            <a:ext cx="6663676" cy="1809444"/>
+          </a:xfrm>
+          <a:prstGeom prst="roundRect">
+            <a:avLst/>
+          </a:prstGeom>
+          <a:solidFill>
+            <a:schemeClr val="accent4">
+              <a:lumMod val="60000"/>
+              <a:lumOff val="40000"/>
+              <a:alpha val="37000"/>
+            </a:schemeClr>
+          </a:solidFill>
+          <a:ln>
+            <a:solidFill>
+              <a:schemeClr val="accent1">
+                <a:lumMod val="20000"/>
+                <a:lumOff val="80000"/>
+              </a:schemeClr>
+            </a:solidFill>
+          </a:ln>
+        </p:spPr>
+        <p:style>
+          <a:lnRef idx="2">
+            <a:schemeClr val="accent1">
+              <a:shade val="50000"/>
+            </a:schemeClr>
+          </a:lnRef>
+          <a:fillRef idx="1">
+            <a:schemeClr val="accent1"/>
+          </a:fillRef>
+          <a:effectRef idx="0">
+            <a:schemeClr val="accent1"/>
+          </a:effectRef>
+          <a:fontRef idx="minor">
+            <a:schemeClr val="lt1"/>
+          </a:fontRef>
+        </p:style>
+        <p:txBody>
+          <a:bodyPr rtlCol="0" anchor="ctr"/>
+          <a:lstStyle/>
+          <a:p>
+            <a:pPr algn="ctr"/>
+            <a:endParaRPr kumimoji="1" lang="ja-JP" altLang="en-US" dirty="0">
+              <a:solidFill>
+                <a:schemeClr val="tx1"/>
+              </a:solidFill>
+            </a:endParaRPr>
+          </a:p>
+        </p:txBody>
+      </p:sp>
       <p:pic>
         <p:nvPicPr>
           <p:cNvPr id="40" name="Picture 2" descr="ã¯ãªãã¯ããã¨æ°ããã¦ã£ã³ãã¦ã§éãã¾ã"/>
@@ -8912,13 +9130,15 @@
         </p:nvSpPr>
         <p:spPr>
           <a:xfrm>
-            <a:off x="2436126" y="5085751"/>
+            <a:off x="2436126" y="4986682"/>
             <a:ext cx="2083643" cy="559386"/>
           </a:xfrm>
           <a:prstGeom prst="rect">
             <a:avLst/>
           </a:prstGeom>
-          <a:noFill/>
+          <a:solidFill>
+            <a:schemeClr val="bg1"/>
+          </a:solidFill>
           <a:ln>
             <a:solidFill>
               <a:schemeClr val="tx1"/>
@@ -8970,7 +9190,7 @@
         </p:nvCxnSpPr>
         <p:spPr>
           <a:xfrm>
-            <a:off x="1777244" y="5348432"/>
+            <a:off x="1777244" y="5249363"/>
             <a:ext cx="582173" cy="0"/>
           </a:xfrm>
           <a:prstGeom prst="straightConnector1">
@@ -9004,7 +9224,7 @@
         </p:nvCxnSpPr>
         <p:spPr>
           <a:xfrm>
-            <a:off x="4602377" y="5385218"/>
+            <a:off x="4602377" y="5286149"/>
             <a:ext cx="582173" cy="0"/>
           </a:xfrm>
           <a:prstGeom prst="straightConnector1">
@@ -9038,13 +9258,15 @@
         </p:nvSpPr>
         <p:spPr>
           <a:xfrm>
-            <a:off x="5253011" y="5105525"/>
+            <a:off x="5253011" y="5006456"/>
             <a:ext cx="1364927" cy="559386"/>
           </a:xfrm>
           <a:prstGeom prst="rect">
             <a:avLst/>
           </a:prstGeom>
-          <a:noFill/>
+          <a:solidFill>
+            <a:schemeClr val="bg1"/>
+          </a:solidFill>
           <a:ln>
             <a:solidFill>
               <a:schemeClr val="tx1"/>
@@ -9166,7 +9388,7 @@
         </p:nvSpPr>
         <p:spPr>
           <a:xfrm>
-            <a:off x="2536554" y="5758955"/>
+            <a:off x="2536554" y="5659886"/>
             <a:ext cx="1719624" cy="369332"/>
           </a:xfrm>
           <a:prstGeom prst="rect">
@@ -9205,7 +9427,7 @@
         </p:nvSpPr>
         <p:spPr>
           <a:xfrm>
-            <a:off x="5227015" y="5778729"/>
+            <a:off x="5227015" y="5679660"/>
             <a:ext cx="1298307" cy="369332"/>
           </a:xfrm>
           <a:prstGeom prst="rect">
@@ -9314,6 +9536,11 @@
             <a:srgbClr val="3399FF"/>
           </a:solidFill>
           <a:ln>
+            <a:solidFill>
+              <a:schemeClr val="bg2">
+                <a:lumMod val="25000"/>
+              </a:schemeClr>
+            </a:solidFill>
             <a:prstDash val="sysDash"/>
           </a:ln>
         </p:spPr>
@@ -9339,20 +9566,14 @@
             <a:r>
               <a:rPr kumimoji="1" lang="ja-JP" altLang="en-US" dirty="0" smtClean="0">
                 <a:solidFill>
-                  <a:schemeClr val="tx1">
-                    <a:lumMod val="85000"/>
-                    <a:lumOff val="15000"/>
-                  </a:schemeClr>
+                  <a:schemeClr val="bg1"/>
                 </a:solidFill>
               </a:rPr>
               <a:t>続く</a:t>
             </a:r>
             <a:endParaRPr kumimoji="1" lang="ja-JP" altLang="en-US" dirty="0">
               <a:solidFill>
-                <a:schemeClr val="tx1">
-                  <a:lumMod val="85000"/>
-                  <a:lumOff val="15000"/>
-                </a:schemeClr>
+                <a:schemeClr val="bg1"/>
               </a:solidFill>
             </a:endParaRPr>
           </a:p>
@@ -9397,7 +9618,7 @@
         </p:nvSpPr>
         <p:spPr>
           <a:xfrm>
-            <a:off x="555219" y="5071108"/>
+            <a:off x="555219" y="4972039"/>
             <a:ext cx="1158931" cy="554648"/>
           </a:xfrm>
           <a:prstGeom prst="roundRect">
@@ -9407,6 +9628,12 @@
             <a:srgbClr val="3399FF"/>
           </a:solidFill>
           <a:ln>
+            <a:solidFill>
+              <a:schemeClr val="tx1">
+                <a:lumMod val="85000"/>
+                <a:lumOff val="15000"/>
+              </a:schemeClr>
+            </a:solidFill>
             <a:prstDash val="sysDash"/>
           </a:ln>
         </p:spPr>
@@ -9430,10 +9657,18 @@
           <a:p>
             <a:pPr algn="ctr"/>
             <a:r>
-              <a:rPr kumimoji="1" lang="ja-JP" altLang="en-US" dirty="0" smtClean="0"/>
+              <a:rPr kumimoji="1" lang="ja-JP" altLang="en-US" dirty="0" smtClean="0">
+                <a:solidFill>
+                  <a:schemeClr val="bg1"/>
+                </a:solidFill>
+              </a:rPr>
               <a:t>続き</a:t>
             </a:r>
-            <a:endParaRPr kumimoji="1" lang="ja-JP" altLang="en-US" dirty="0"/>
+            <a:endParaRPr kumimoji="1" lang="ja-JP" altLang="en-US" dirty="0">
+              <a:solidFill>
+                <a:schemeClr val="bg1"/>
+              </a:solidFill>
+            </a:endParaRPr>
           </a:p>
         </p:txBody>
       </p:sp>
@@ -9445,7 +9680,7 @@
         </p:nvCxnSpPr>
         <p:spPr>
           <a:xfrm>
-            <a:off x="6742205" y="5380166"/>
+            <a:off x="6742205" y="5281097"/>
             <a:ext cx="582173" cy="0"/>
           </a:xfrm>
           <a:prstGeom prst="straightConnector1">
@@ -9693,7 +9928,7 @@
         </p:blipFill>
         <p:spPr bwMode="auto">
           <a:xfrm>
-            <a:off x="6838211" y="4602876"/>
+            <a:off x="6838211" y="4503807"/>
             <a:ext cx="2059782" cy="1554579"/>
           </a:xfrm>
           <a:prstGeom prst="rect">
@@ -9719,7 +9954,7 @@
         </p:nvSpPr>
         <p:spPr>
           <a:xfrm>
-            <a:off x="7209662" y="4981846"/>
+            <a:off x="7209662" y="4882777"/>
             <a:ext cx="1316881" cy="307777"/>
           </a:xfrm>
           <a:prstGeom prst="rect">
@@ -9760,7 +9995,7 @@
         </p:nvSpPr>
         <p:spPr>
           <a:xfrm>
-            <a:off x="7574050" y="5283518"/>
+            <a:off x="7574050" y="5184449"/>
             <a:ext cx="572653" cy="287866"/>
           </a:xfrm>
           <a:prstGeom prst="rect">
@@ -9797,6 +10032,53 @@
               <a:t>ボタン</a:t>
             </a:r>
             <a:endParaRPr kumimoji="1" lang="ja-JP" altLang="en-US" sz="1200" dirty="0"/>
+          </a:p>
+        </p:txBody>
+      </p:sp>
+      <p:sp>
+        <p:nvSpPr>
+          <p:cNvPr id="33" name="テキスト ボックス 32"/>
+          <p:cNvSpPr txBox="1"/>
+          <p:nvPr/>
+        </p:nvSpPr>
+        <p:spPr>
+          <a:xfrm>
+            <a:off x="2718009" y="4464895"/>
+            <a:ext cx="5018011" cy="369332"/>
+          </a:xfrm>
+          <a:prstGeom prst="rect">
+            <a:avLst/>
+          </a:prstGeom>
+          <a:noFill/>
+        </p:spPr>
+        <p:txBody>
+          <a:bodyPr wrap="square" rtlCol="0">
+            <a:spAutoFit/>
+          </a:bodyPr>
+          <a:lstStyle/>
+          <a:p>
+            <a:pPr algn="ctr"/>
+            <a:r>
+              <a:rPr kumimoji="1" lang="en-US" altLang="ja-JP" dirty="0" smtClean="0">
+                <a:solidFill>
+                  <a:srgbClr val="FF0000"/>
+                </a:solidFill>
+              </a:rPr>
+              <a:t>state</a:t>
+            </a:r>
+            <a:r>
+              <a:rPr kumimoji="1" lang="ja-JP" altLang="en-US" dirty="0" smtClean="0">
+                <a:solidFill>
+                  <a:srgbClr val="FF0000"/>
+                </a:solidFill>
+              </a:rPr>
+              <a:t>の更新処理をトリガーに再描画発生</a:t>
+            </a:r>
+            <a:endParaRPr kumimoji="1" lang="ja-JP" altLang="en-US" dirty="0">
+              <a:solidFill>
+                <a:srgbClr val="FF0000"/>
+              </a:solidFill>
+            </a:endParaRPr>
           </a:p>
         </p:txBody>
       </p:sp>
@@ -10068,7 +10350,7 @@
           <p:nvPr>
             <p:extLst>
               <p:ext uri="{D42A27DB-BD31-4B8C-83A1-F6EECF244321}">
-                <p14:modId xmlns:p14="http://schemas.microsoft.com/office/powerpoint/2010/main" val="3736434430"/>
+                <p14:modId xmlns:p14="http://schemas.microsoft.com/office/powerpoint/2010/main" val="305679879"/>
               </p:ext>
             </p:extLst>
           </p:nvPr>
@@ -10084,21 +10366,21 @@
                 <a:tableStyleId>{5C22544A-7EE6-4342-B048-85BDC9FD1C3A}</a:tableStyleId>
               </a:tblPr>
               <a:tblGrid>
-                <a:gridCol w="1397001">
+                <a:gridCol w="1776380">
                   <a:extLst>
                     <a:ext uri="{9D8B030D-6E8A-4147-A177-3AD203B41FA5}">
                       <a16:colId xmlns:a16="http://schemas.microsoft.com/office/drawing/2014/main" val="3381579096"/>
                     </a:ext>
                   </a:extLst>
                 </a:gridCol>
-                <a:gridCol w="4047067">
+                <a:gridCol w="4105072">
                   <a:extLst>
                     <a:ext uri="{9D8B030D-6E8A-4147-A177-3AD203B41FA5}">
                       <a16:colId xmlns:a16="http://schemas.microsoft.com/office/drawing/2014/main" val="447131743"/>
                     </a:ext>
                   </a:extLst>
                 </a:gridCol>
-                <a:gridCol w="5935133">
+                <a:gridCol w="5497749">
                   <a:extLst>
                     <a:ext uri="{9D8B030D-6E8A-4147-A177-3AD203B41FA5}">
                       <a16:colId xmlns:a16="http://schemas.microsoft.com/office/drawing/2014/main" val="3744254712"/>
@@ -10113,6 +10395,10 @@
                     <a:lstStyle/>
                     <a:p>
                       <a:pPr algn="ctr"/>
+                      <a:r>
+                        <a:rPr kumimoji="1" lang="ja-JP" altLang="en-US" dirty="0" smtClean="0"/>
+                        <a:t>オブジェクト</a:t>
+                      </a:r>
                       <a:endParaRPr kumimoji="1" lang="ja-JP" altLang="en-US" dirty="0"/>
                     </a:p>
                   </a:txBody>
@@ -10131,14 +10417,14 @@
                       <a:r>
                         <a:rPr kumimoji="1" lang="ja-JP" altLang="en-US" b="0" dirty="0" smtClean="0">
                           <a:solidFill>
-                            <a:schemeClr val="tx1"/>
+                            <a:schemeClr val="bg1"/>
                           </a:solidFill>
                         </a:rPr>
                         <a:t>値の設定タイミング</a:t>
                       </a:r>
                       <a:endParaRPr kumimoji="1" lang="ja-JP" altLang="en-US" b="0" dirty="0">
                         <a:solidFill>
-                          <a:schemeClr val="tx1"/>
+                          <a:schemeClr val="bg1"/>
                         </a:solidFill>
                       </a:endParaRPr>
                     </a:p>
@@ -10158,7 +10444,7 @@
                       <a:r>
                         <a:rPr kumimoji="1" lang="ja-JP" altLang="en-US" sz="1800" b="0" kern="1200" dirty="0" smtClean="0">
                           <a:solidFill>
-                            <a:schemeClr val="tx1"/>
+                            <a:schemeClr val="bg1"/>
                           </a:solidFill>
                           <a:latin typeface="+mn-lt"/>
                           <a:ea typeface="+mn-ea"/>
@@ -10168,7 +10454,7 @@
                       </a:r>
                       <a:endParaRPr kumimoji="1" lang="ja-JP" altLang="en-US" sz="1800" b="0" kern="1200" dirty="0">
                         <a:solidFill>
-                          <a:schemeClr val="tx1"/>
+                          <a:schemeClr val="bg1"/>
                         </a:solidFill>
                         <a:latin typeface="+mn-lt"/>
                         <a:ea typeface="+mn-ea"/>
@@ -10202,7 +10488,14 @@
                       <a:endParaRPr kumimoji="1" lang="ja-JP" altLang="en-US" dirty="0"/>
                     </a:p>
                   </a:txBody>
-                  <a:tcPr anchor="ctr"/>
+                  <a:tcPr anchor="ctr">
+                    <a:solidFill>
+                      <a:schemeClr val="accent1">
+                        <a:lumMod val="20000"/>
+                        <a:lumOff val="80000"/>
+                      </a:schemeClr>
+                    </a:solidFill>
+                  </a:tcPr>
                 </a:tc>
                 <a:tc>
                   <a:txBody>
@@ -10232,7 +10525,14 @@
                       </a:r>
                     </a:p>
                   </a:txBody>
-                  <a:tcPr anchor="ctr"/>
+                  <a:tcPr anchor="ctr">
+                    <a:solidFill>
+                      <a:schemeClr val="accent1">
+                        <a:lumMod val="20000"/>
+                        <a:lumOff val="80000"/>
+                      </a:schemeClr>
+                    </a:solidFill>
+                  </a:tcPr>
                 </a:tc>
                 <a:tc>
                   <a:txBody>
@@ -10247,7 +10547,14 @@
                       <a:endParaRPr kumimoji="1" lang="ja-JP" altLang="en-US" dirty="0"/>
                     </a:p>
                   </a:txBody>
-                  <a:tcPr anchor="ctr"/>
+                  <a:tcPr anchor="ctr">
+                    <a:solidFill>
+                      <a:schemeClr val="accent1">
+                        <a:lumMod val="20000"/>
+                        <a:lumOff val="80000"/>
+                      </a:schemeClr>
+                    </a:solidFill>
+                  </a:tcPr>
                 </a:tc>
                 <a:extLst>
                   <a:ext uri="{0D108BD9-81ED-4DB2-BD59-A6C34878D82A}">
@@ -10269,7 +10576,14 @@
                       <a:endParaRPr kumimoji="1" lang="ja-JP" altLang="en-US" dirty="0"/>
                     </a:p>
                   </a:txBody>
-                  <a:tcPr anchor="ctr"/>
+                  <a:tcPr anchor="ctr">
+                    <a:solidFill>
+                      <a:schemeClr val="accent1">
+                        <a:lumMod val="20000"/>
+                        <a:lumOff val="80000"/>
+                      </a:schemeClr>
+                    </a:solidFill>
+                  </a:tcPr>
                 </a:tc>
                 <a:tc>
                   <a:txBody>
@@ -10300,7 +10614,14 @@
                       <a:endParaRPr kumimoji="1" lang="ja-JP" altLang="en-US" dirty="0"/>
                     </a:p>
                   </a:txBody>
-                  <a:tcPr anchor="ctr"/>
+                  <a:tcPr anchor="ctr">
+                    <a:solidFill>
+                      <a:schemeClr val="accent1">
+                        <a:lumMod val="20000"/>
+                        <a:lumOff val="80000"/>
+                      </a:schemeClr>
+                    </a:solidFill>
+                  </a:tcPr>
                 </a:tc>
                 <a:tc>
                   <a:txBody>
@@ -10315,7 +10636,14 @@
                       <a:endParaRPr kumimoji="1" lang="ja-JP" altLang="en-US" dirty="0"/>
                     </a:p>
                   </a:txBody>
-                  <a:tcPr anchor="ctr"/>
+                  <a:tcPr anchor="ctr">
+                    <a:solidFill>
+                      <a:schemeClr val="accent1">
+                        <a:lumMod val="20000"/>
+                        <a:lumOff val="80000"/>
+                      </a:schemeClr>
+                    </a:solidFill>
+                  </a:tcPr>
                 </a:tc>
                 <a:extLst>
                   <a:ext uri="{0D108BD9-81ED-4DB2-BD59-A6C34878D82A}">
@@ -10538,7 +10866,52 @@
       </a:bgFillStyleLst>
     </a:fmtScheme>
   </a:themeElements>
-  <a:objectDefaults/>
+  <a:objectDefaults>
+    <a:spDef>
+      <a:spPr>
+        <a:solidFill>
+          <a:schemeClr val="accent1">
+            <a:lumMod val="40000"/>
+            <a:lumOff val="60000"/>
+          </a:schemeClr>
+        </a:solidFill>
+        <a:ln>
+          <a:solidFill>
+            <a:schemeClr val="accent1">
+              <a:lumMod val="20000"/>
+              <a:lumOff val="80000"/>
+            </a:schemeClr>
+          </a:solidFill>
+        </a:ln>
+      </a:spPr>
+      <a:bodyPr rtlCol="0" anchor="ctr"/>
+      <a:lstStyle>
+        <a:defPPr algn="ctr">
+          <a:defRPr dirty="0">
+            <a:solidFill>
+              <a:schemeClr val="tx1"/>
+            </a:solidFill>
+          </a:defRPr>
+        </a:defPPr>
+      </a:lstStyle>
+      <a:style>
+        <a:lnRef idx="2">
+          <a:schemeClr val="accent1">
+            <a:shade val="50000"/>
+          </a:schemeClr>
+        </a:lnRef>
+        <a:fillRef idx="1">
+          <a:schemeClr val="accent1"/>
+        </a:fillRef>
+        <a:effectRef idx="0">
+          <a:schemeClr val="accent1"/>
+        </a:effectRef>
+        <a:fontRef idx="minor">
+          <a:schemeClr val="lt1"/>
+        </a:fontRef>
+      </a:style>
+    </a:spDef>
+  </a:objectDefaults>
   <a:extraClrSchemeLst/>
   <a:extLst>
     <a:ext uri="{05A4C25C-085E-4340-85A3-A5531E510DB2}">

--- a/doc/02_SlideShare/01.ネタ/２_Reactの基礎/2-2_Reactの基礎知識 ～コンポーネント編～.pptx
+++ b/doc/02_SlideShare/01.ネタ/２_Reactの基礎/2-2_Reactの基礎知識 ～コンポーネント編～.pptx
@@ -208,7 +208,7 @@
           <a:p>
             <a:fld id="{2FA7D4A1-D6E2-4B97-8DF5-43A2A6E9364B}" type="datetimeFigureOut">
               <a:rPr kumimoji="1" lang="ja-JP" altLang="en-US" smtClean="0"/>
-              <a:t>2019/2/3</a:t>
+              <a:t>2019/3/3</a:t>
             </a:fld>
             <a:endParaRPr kumimoji="1" lang="ja-JP" altLang="en-US"/>
           </a:p>
@@ -675,7 +675,7 @@
           <a:p>
             <a:fld id="{2FA7D4A1-D6E2-4B97-8DF5-43A2A6E9364B}" type="datetimeFigureOut">
               <a:rPr kumimoji="1" lang="ja-JP" altLang="en-US" smtClean="0"/>
-              <a:t>2019/2/3</a:t>
+              <a:t>2019/3/3</a:t>
             </a:fld>
             <a:endParaRPr kumimoji="1" lang="ja-JP" altLang="en-US"/>
           </a:p>
@@ -1115,7 +1115,7 @@
           <a:p>
             <a:fld id="{2FA7D4A1-D6E2-4B97-8DF5-43A2A6E9364B}" type="datetimeFigureOut">
               <a:rPr kumimoji="1" lang="ja-JP" altLang="en-US" smtClean="0"/>
-              <a:t>2019/2/3</a:t>
+              <a:t>2019/3/3</a:t>
             </a:fld>
             <a:endParaRPr kumimoji="1" lang="ja-JP" altLang="en-US"/>
           </a:p>
@@ -1240,7 +1240,7 @@
           <a:p>
             <a:fld id="{2FA7D4A1-D6E2-4B97-8DF5-43A2A6E9364B}" type="datetimeFigureOut">
               <a:rPr kumimoji="1" lang="ja-JP" altLang="en-US" smtClean="0"/>
-              <a:t>2019/2/3</a:t>
+              <a:t>2019/3/3</a:t>
             </a:fld>
             <a:endParaRPr kumimoji="1" lang="ja-JP" altLang="en-US"/>
           </a:p>
@@ -1472,7 +1472,7 @@
           <a:p>
             <a:fld id="{2FA7D4A1-D6E2-4B97-8DF5-43A2A6E9364B}" type="datetimeFigureOut">
               <a:rPr kumimoji="1" lang="ja-JP" altLang="en-US" smtClean="0"/>
-              <a:t>2019/2/3</a:t>
+              <a:t>2019/3/3</a:t>
             </a:fld>
             <a:endParaRPr kumimoji="1" lang="ja-JP" altLang="en-US"/>
           </a:p>
@@ -1708,7 +1708,7 @@
                 </a:solidFill>
               </a:rPr>
               <a:pPr/>
-              <a:t>2/3/2019</a:t>
+              <a:t>3/3/2019</a:t>
             </a:fld>
             <a:endParaRPr lang="en-US" dirty="0">
               <a:solidFill>
@@ -2003,7 +2003,7 @@
           <a:p>
             <a:fld id="{2FA7D4A1-D6E2-4B97-8DF5-43A2A6E9364B}" type="datetimeFigureOut">
               <a:rPr kumimoji="1" lang="ja-JP" altLang="en-US" smtClean="0"/>
-              <a:t>2019/2/3</a:t>
+              <a:t>2019/3/3</a:t>
             </a:fld>
             <a:endParaRPr kumimoji="1" lang="ja-JP" altLang="en-US"/>
           </a:p>
@@ -2548,15 +2548,15 @@
             </a:r>
             <a:r>
               <a:rPr lang="ja-JP" altLang="en-US" dirty="0" smtClean="0"/>
-              <a:t>について </a:t>
+              <a:t> </a:t>
             </a:r>
             <a:r>
               <a:rPr lang="en-US" altLang="ja-JP" dirty="0" smtClean="0"/>
               <a:t>– </a:t>
             </a:r>
             <a:r>
-              <a:rPr lang="ja-JP" altLang="en-US" dirty="0" smtClean="0"/>
-              <a:t>特徴</a:t>
+              <a:rPr lang="ja-JP" altLang="en-US" dirty="0"/>
+              <a:t>概要</a:t>
             </a:r>
             <a:endParaRPr kumimoji="1" lang="ja-JP" altLang="en-US" dirty="0"/>
           </a:p>
@@ -2709,8 +2709,36 @@
           </a:lstStyle>
           <a:p>
             <a:r>
+              <a:rPr lang="en-US" altLang="ja-JP" dirty="0" smtClean="0"/>
+              <a:t>React</a:t>
+            </a:r>
+            <a:r>
               <a:rPr lang="ja-JP" altLang="en-US" dirty="0" smtClean="0"/>
-              <a:t>コンポーネントとは、ページを構成するための部品のこと</a:t>
+              <a:t>におけるコンポーネント</a:t>
+            </a:r>
+            <a:r>
+              <a:rPr lang="ja-JP" altLang="en-US" dirty="0" smtClean="0"/>
+              <a:t>とは、ページを構成するため</a:t>
+            </a:r>
+            <a:r>
+              <a:rPr lang="ja-JP" altLang="en-US" dirty="0" smtClean="0"/>
+              <a:t>の</a:t>
+            </a:r>
+            <a:r>
+              <a:rPr lang="en-US" altLang="ja-JP" dirty="0" smtClean="0"/>
+              <a:t>UI</a:t>
+            </a:r>
+            <a:r>
+              <a:rPr lang="ja-JP" altLang="en-US" dirty="0" smtClean="0"/>
+              <a:t>部品</a:t>
+            </a:r>
+            <a:r>
+              <a:rPr lang="ja-JP" altLang="en-US" dirty="0" smtClean="0"/>
+              <a:t>の</a:t>
+            </a:r>
+            <a:r>
+              <a:rPr lang="ja-JP" altLang="en-US" dirty="0" smtClean="0"/>
+              <a:t>ことです。</a:t>
             </a:r>
             <a:endParaRPr lang="en-US" altLang="ja-JP" dirty="0"/>
           </a:p>
@@ -3401,7 +3429,7 @@
         <p:spPr>
           <a:xfrm>
             <a:off x="529090" y="4893871"/>
-            <a:ext cx="4830850" cy="1411688"/>
+            <a:ext cx="5071610" cy="1411688"/>
           </a:xfrm>
           <a:prstGeom prst="borderCallout2">
             <a:avLst>
@@ -3409,8 +3437,8 @@
               <a:gd name="adj2" fmla="val 99893"/>
               <a:gd name="adj3" fmla="val 18428"/>
               <a:gd name="adj4" fmla="val 109445"/>
-              <a:gd name="adj5" fmla="val -23622"/>
-              <a:gd name="adj6" fmla="val 121226"/>
+              <a:gd name="adj5" fmla="val -8674"/>
+              <a:gd name="adj6" fmla="val 114465"/>
             </a:avLst>
           </a:prstGeom>
           <a:solidFill>
@@ -3505,7 +3533,29 @@
                   </a:schemeClr>
                 </a:solidFill>
               </a:rPr>
-              <a:t>コンポーネントを組み合わせることでアプリを構築する</a:t>
+              <a:t>コンポーネントを組み合わせることでアプリを</a:t>
+            </a:r>
+            <a:r>
+              <a:rPr lang="ja-JP" altLang="en-US" dirty="0" smtClean="0">
+                <a:solidFill>
+                  <a:schemeClr val="tx1">
+                    <a:lumMod val="85000"/>
+                    <a:lumOff val="15000"/>
+                  </a:schemeClr>
+                </a:solidFill>
+              </a:rPr>
+              <a:t>構築</a:t>
+            </a:r>
+            <a:r>
+              <a:rPr lang="ja-JP" altLang="en-US" dirty="0" smtClean="0">
+                <a:solidFill>
+                  <a:schemeClr val="tx1">
+                    <a:lumMod val="85000"/>
+                    <a:lumOff val="15000"/>
+                  </a:schemeClr>
+                </a:solidFill>
+              </a:rPr>
+              <a:t>します。</a:t>
             </a:r>
             <a:endParaRPr lang="en-US" altLang="ja-JP" dirty="0" smtClean="0">
               <a:solidFill>
@@ -3582,15 +3632,7 @@
           <a:p>
             <a:r>
               <a:rPr kumimoji="1" lang="ja-JP" altLang="en-US" dirty="0" smtClean="0"/>
-              <a:t>コンポーネント</a:t>
-            </a:r>
-            <a:r>
-              <a:rPr lang="ja-JP" altLang="en-US" dirty="0" smtClean="0"/>
-              <a:t>について</a:t>
-            </a:r>
-            <a:r>
-              <a:rPr kumimoji="1" lang="ja-JP" altLang="en-US" dirty="0" smtClean="0"/>
-              <a:t> </a:t>
+              <a:t>コンポーネント </a:t>
             </a:r>
             <a:r>
               <a:rPr kumimoji="1" lang="en-US" altLang="ja-JP" dirty="0" smtClean="0"/>
@@ -4195,7 +4237,18 @@
                   </a:schemeClr>
                 </a:solidFill>
               </a:rPr>
-              <a:t>コンポーネントを作成</a:t>
+              <a:t>コンポーネントを</a:t>
+            </a:r>
+            <a:r>
+              <a:rPr lang="ja-JP" altLang="en-US" dirty="0" smtClean="0">
+                <a:solidFill>
+                  <a:schemeClr val="tx1">
+                    <a:lumMod val="85000"/>
+                    <a:lumOff val="15000"/>
+                  </a:schemeClr>
+                </a:solidFill>
+              </a:rPr>
+              <a:t>作成します。</a:t>
             </a:r>
             <a:endParaRPr lang="en-US" altLang="ja-JP" dirty="0">
               <a:solidFill>
@@ -4216,8 +4269,8 @@
         </p:nvSpPr>
         <p:spPr>
           <a:xfrm>
-            <a:off x="5775778" y="2440817"/>
-            <a:ext cx="3349215" cy="831273"/>
+            <a:off x="5775779" y="2440817"/>
+            <a:ext cx="3473730" cy="831273"/>
           </a:xfrm>
           <a:prstGeom prst="borderCallout2">
             <a:avLst>
@@ -4267,7 +4320,39 @@
                   </a:schemeClr>
                 </a:solidFill>
               </a:rPr>
-              <a:t>コンポーネントの中身を定義する</a:t>
+              <a:t>コンポーネントの中身を</a:t>
+            </a:r>
+            <a:r>
+              <a:rPr lang="ja-JP" altLang="en-US" dirty="0" smtClean="0">
+                <a:solidFill>
+                  <a:schemeClr val="tx1">
+                    <a:lumMod val="85000"/>
+                    <a:lumOff val="15000"/>
+                  </a:schemeClr>
+                </a:solidFill>
+              </a:rPr>
+              <a:t>定義します。</a:t>
+            </a:r>
+            <a:endParaRPr lang="en-US" altLang="ja-JP" dirty="0" smtClean="0">
+              <a:solidFill>
+                <a:schemeClr val="tx1">
+                  <a:lumMod val="85000"/>
+                  <a:lumOff val="15000"/>
+                </a:schemeClr>
+              </a:solidFill>
+            </a:endParaRPr>
+          </a:p>
+          <a:p>
+            <a:r>
+              <a:rPr lang="en-US" altLang="ja-JP" dirty="0" smtClean="0">
+                <a:solidFill>
+                  <a:schemeClr val="tx1">
+                    <a:lumMod val="85000"/>
+                    <a:lumOff val="15000"/>
+                  </a:schemeClr>
+                </a:solidFill>
+              </a:rPr>
+              <a:t>(</a:t>
             </a:r>
             <a:r>
               <a:rPr lang="en-US" altLang="ja-JP" dirty="0">
@@ -4278,7 +4363,7 @@
                   </a:schemeClr>
                 </a:solidFill>
               </a:rPr>
-              <a:t>(JSX</a:t>
+              <a:t>JSX</a:t>
             </a:r>
             <a:r>
               <a:rPr lang="ja-JP" altLang="en-US" dirty="0">
@@ -4289,10 +4374,21 @@
                   </a:schemeClr>
                 </a:solidFill>
               </a:rPr>
-              <a:t>にて記載する</a:t>
-            </a:r>
-            <a:r>
-              <a:rPr lang="en-US" altLang="ja-JP" dirty="0">
+              <a:t>にて</a:t>
+            </a:r>
+            <a:r>
+              <a:rPr lang="ja-JP" altLang="en-US" dirty="0" smtClean="0">
+                <a:solidFill>
+                  <a:schemeClr val="tx1">
+                    <a:lumMod val="85000"/>
+                    <a:lumOff val="15000"/>
+                  </a:schemeClr>
+                </a:solidFill>
+              </a:rPr>
+              <a:t>記載</a:t>
+            </a:r>
+            <a:r>
+              <a:rPr lang="en-US" altLang="ja-JP" dirty="0" smtClean="0">
                 <a:solidFill>
                   <a:schemeClr val="tx1">
                     <a:lumMod val="85000"/>
@@ -4302,6 +4398,14 @@
               </a:rPr>
               <a:t>)</a:t>
             </a:r>
+            <a:endParaRPr lang="en-US" altLang="ja-JP" dirty="0">
+              <a:solidFill>
+                <a:schemeClr val="tx1">
+                  <a:lumMod val="85000"/>
+                  <a:lumOff val="15000"/>
+                </a:schemeClr>
+              </a:solidFill>
+            </a:endParaRPr>
           </a:p>
         </p:txBody>
       </p:sp>
@@ -4314,7 +4418,7 @@
         <p:spPr>
           <a:xfrm>
             <a:off x="5312542" y="3512980"/>
-            <a:ext cx="3349215" cy="831273"/>
+            <a:ext cx="3594066" cy="831273"/>
           </a:xfrm>
           <a:prstGeom prst="borderCallout2">
             <a:avLst>
@@ -4364,7 +4468,18 @@
                   </a:schemeClr>
                 </a:solidFill>
               </a:rPr>
-              <a:t>定義したコンポーネントを呼出す</a:t>
+              <a:t>定義したコンポーネントを</a:t>
+            </a:r>
+            <a:r>
+              <a:rPr lang="ja-JP" altLang="en-US" dirty="0" smtClean="0">
+                <a:solidFill>
+                  <a:schemeClr val="tx1">
+                    <a:lumMod val="85000"/>
+                    <a:lumOff val="15000"/>
+                  </a:schemeClr>
+                </a:solidFill>
+              </a:rPr>
+              <a:t>呼出します。</a:t>
             </a:r>
             <a:endParaRPr lang="en-US" altLang="ja-JP" dirty="0">
               <a:solidFill>
@@ -4581,15 +4696,7 @@
           <a:p>
             <a:r>
               <a:rPr kumimoji="1" lang="ja-JP" altLang="en-US" dirty="0" smtClean="0"/>
-              <a:t>コンポーネント</a:t>
-            </a:r>
-            <a:r>
-              <a:rPr lang="ja-JP" altLang="en-US" dirty="0" smtClean="0"/>
-              <a:t>について</a:t>
-            </a:r>
-            <a:r>
-              <a:rPr kumimoji="1" lang="ja-JP" altLang="en-US" dirty="0" smtClean="0"/>
-              <a:t> </a:t>
+              <a:t>コンポーネント </a:t>
             </a:r>
             <a:r>
               <a:rPr kumimoji="1" lang="en-US" altLang="ja-JP" dirty="0" smtClean="0"/>
@@ -5220,7 +5327,7 @@
         <p:spPr>
           <a:xfrm>
             <a:off x="4828225" y="2019064"/>
-            <a:ext cx="5636575" cy="831273"/>
+            <a:ext cx="5995106" cy="831273"/>
           </a:xfrm>
           <a:prstGeom prst="borderCallout2">
             <a:avLst>
@@ -5270,7 +5377,7 @@
                   </a:schemeClr>
                 </a:solidFill>
               </a:rPr>
-              <a:t>・コンポーネント</a:t>
+              <a:t>コンポーネント</a:t>
             </a:r>
             <a:r>
               <a:rPr lang="ja-JP" altLang="en-US" dirty="0">
@@ -5314,7 +5421,7 @@
                   </a:schemeClr>
                 </a:solidFill>
               </a:rPr>
-              <a:t>可能</a:t>
+              <a:t>可能です。</a:t>
             </a:r>
             <a:endParaRPr lang="en-US" altLang="ja-JP" dirty="0" smtClean="0">
               <a:solidFill>
@@ -5335,7 +5442,40 @@
                   </a:schemeClr>
                 </a:solidFill>
               </a:rPr>
-              <a:t>・コンポーネントは再利用可能</a:t>
+              <a:t>また、</a:t>
+            </a:r>
+            <a:r>
+              <a:rPr lang="ja-JP" altLang="en-US" dirty="0" smtClean="0">
+                <a:solidFill>
+                  <a:schemeClr val="tx1">
+                    <a:lumMod val="85000"/>
+                    <a:lumOff val="15000"/>
+                  </a:schemeClr>
+                </a:solidFill>
+              </a:rPr>
+              <a:t>コンポーネント</a:t>
+            </a:r>
+            <a:r>
+              <a:rPr lang="ja-JP" altLang="en-US" dirty="0" smtClean="0">
+                <a:solidFill>
+                  <a:schemeClr val="tx1">
+                    <a:lumMod val="85000"/>
+                    <a:lumOff val="15000"/>
+                  </a:schemeClr>
+                </a:solidFill>
+              </a:rPr>
+              <a:t>は</a:t>
+            </a:r>
+            <a:r>
+              <a:rPr lang="ja-JP" altLang="en-US" dirty="0" smtClean="0">
+                <a:solidFill>
+                  <a:schemeClr val="tx1">
+                    <a:lumMod val="85000"/>
+                    <a:lumOff val="15000"/>
+                  </a:schemeClr>
+                </a:solidFill>
+              </a:rPr>
+              <a:t>再利用することが可能です。</a:t>
             </a:r>
             <a:endParaRPr lang="en-US" altLang="ja-JP" dirty="0">
               <a:solidFill>
@@ -5547,15 +5687,7 @@
           <a:p>
             <a:r>
               <a:rPr kumimoji="1" lang="ja-JP" altLang="en-US" dirty="0" smtClean="0"/>
-              <a:t>コンポーネント</a:t>
-            </a:r>
-            <a:r>
-              <a:rPr lang="ja-JP" altLang="en-US" dirty="0" smtClean="0"/>
-              <a:t>について</a:t>
-            </a:r>
-            <a:r>
-              <a:rPr kumimoji="1" lang="ja-JP" altLang="en-US" dirty="0" smtClean="0"/>
-              <a:t> </a:t>
+              <a:t>コンポーネント </a:t>
             </a:r>
             <a:r>
               <a:rPr kumimoji="1" lang="en-US" altLang="ja-JP" dirty="0" smtClean="0"/>
@@ -6049,7 +6181,7 @@
             </a:r>
             <a:r>
               <a:rPr lang="ja-JP" altLang="en-US" dirty="0" smtClean="0"/>
-              <a:t>が利用できる</a:t>
+              <a:t>を利用することができます。</a:t>
             </a:r>
             <a:endParaRPr lang="en-US" altLang="ja-JP" dirty="0" smtClean="0"/>
           </a:p>
@@ -6237,11 +6369,6 @@
               </a:rPr>
               <a:t>渡されるオブジェクト</a:t>
             </a:r>
-            <a:endParaRPr lang="ja-JP" altLang="en-US" dirty="0">
-              <a:solidFill>
-                <a:schemeClr val="tx1"/>
-              </a:solidFill>
-            </a:endParaRPr>
           </a:p>
         </p:txBody>
       </p:sp>
@@ -6304,15 +6431,7 @@
           <a:p>
             <a:r>
               <a:rPr kumimoji="1" lang="ja-JP" altLang="en-US" dirty="0" smtClean="0"/>
-              <a:t>コンポーネント</a:t>
-            </a:r>
-            <a:r>
-              <a:rPr lang="ja-JP" altLang="en-US" dirty="0" smtClean="0"/>
-              <a:t>について</a:t>
-            </a:r>
-            <a:r>
-              <a:rPr kumimoji="1" lang="ja-JP" altLang="en-US" dirty="0" smtClean="0"/>
-              <a:t> </a:t>
+              <a:t>コンポーネント </a:t>
             </a:r>
             <a:r>
               <a:rPr kumimoji="1" lang="en-US" altLang="ja-JP" dirty="0" smtClean="0"/>
@@ -6894,7 +7013,18 @@
                   </a:schemeClr>
                 </a:solidFill>
               </a:rPr>
-              <a:t>元から渡された値を取得</a:t>
+              <a:t>元から渡された値を</a:t>
+            </a:r>
+            <a:r>
+              <a:rPr lang="ja-JP" altLang="en-US" dirty="0" smtClean="0">
+                <a:solidFill>
+                  <a:schemeClr val="tx1">
+                    <a:lumMod val="85000"/>
+                    <a:lumOff val="15000"/>
+                  </a:schemeClr>
+                </a:solidFill>
+              </a:rPr>
+              <a:t>取得します。</a:t>
             </a:r>
             <a:endParaRPr lang="en-US" altLang="ja-JP" dirty="0">
               <a:solidFill>
@@ -7009,7 +7139,7 @@
                   </a:schemeClr>
                 </a:solidFill>
               </a:rPr>
-              <a:t>に値を設定して</a:t>
+              <a:t>に値を設定</a:t>
             </a:r>
             <a:r>
               <a:rPr lang="ja-JP" altLang="en-US" dirty="0" smtClean="0">
@@ -7020,18 +7150,7 @@
                   </a:schemeClr>
                 </a:solidFill>
               </a:rPr>
-              <a:t>渡す値</a:t>
-            </a:r>
-            <a:r>
-              <a:rPr lang="ja-JP" altLang="en-US" dirty="0">
-                <a:solidFill>
-                  <a:schemeClr val="tx1">
-                    <a:lumMod val="85000"/>
-                    <a:lumOff val="15000"/>
-                  </a:schemeClr>
-                </a:solidFill>
-              </a:rPr>
-              <a:t>を取得</a:t>
+              <a:t>します。</a:t>
             </a:r>
             <a:endParaRPr lang="en-US" altLang="ja-JP" dirty="0">
               <a:solidFill>
@@ -7244,15 +7363,7 @@
           <a:p>
             <a:r>
               <a:rPr kumimoji="1" lang="ja-JP" altLang="en-US" dirty="0" smtClean="0"/>
-              <a:t>コンポーネント</a:t>
-            </a:r>
-            <a:r>
-              <a:rPr lang="ja-JP" altLang="en-US" dirty="0" smtClean="0"/>
-              <a:t>について</a:t>
-            </a:r>
-            <a:r>
-              <a:rPr kumimoji="1" lang="ja-JP" altLang="en-US" dirty="0" smtClean="0"/>
-              <a:t> </a:t>
+              <a:t>コンポーネント </a:t>
             </a:r>
             <a:r>
               <a:rPr kumimoji="1" lang="en-US" altLang="ja-JP" dirty="0" smtClean="0"/>
@@ -8111,8 +8222,8 @@
         </p:nvSpPr>
         <p:spPr>
           <a:xfrm>
-            <a:off x="4152172" y="1536390"/>
-            <a:ext cx="3764395" cy="831273"/>
+            <a:off x="4266471" y="1536390"/>
+            <a:ext cx="4288443" cy="831273"/>
           </a:xfrm>
           <a:prstGeom prst="borderCallout2">
             <a:avLst>
@@ -8206,7 +8317,18 @@
                   </a:schemeClr>
                 </a:solidFill>
               </a:rPr>
-              <a:t>を設定</a:t>
+              <a:t>を</a:t>
+            </a:r>
+            <a:r>
+              <a:rPr lang="ja-JP" altLang="en-US" dirty="0" smtClean="0">
+                <a:solidFill>
+                  <a:schemeClr val="tx1">
+                    <a:lumMod val="85000"/>
+                    <a:lumOff val="15000"/>
+                  </a:schemeClr>
+                </a:solidFill>
+              </a:rPr>
+              <a:t>設定します。</a:t>
             </a:r>
             <a:endParaRPr lang="en-US" altLang="ja-JP" dirty="0">
               <a:solidFill>
@@ -8228,7 +8350,7 @@
         <p:spPr>
           <a:xfrm>
             <a:off x="5908734" y="2440033"/>
-            <a:ext cx="3764395" cy="831273"/>
+            <a:ext cx="4035366" cy="831273"/>
           </a:xfrm>
           <a:prstGeom prst="borderCallout2">
             <a:avLst>
@@ -8311,7 +8433,29 @@
                   </a:schemeClr>
                 </a:solidFill>
               </a:rPr>
-              <a:t>の値を更新する</a:t>
+              <a:t>の値を</a:t>
+            </a:r>
+            <a:r>
+              <a:rPr lang="ja-JP" altLang="en-US" dirty="0" smtClean="0">
+                <a:solidFill>
+                  <a:schemeClr val="tx1">
+                    <a:lumMod val="85000"/>
+                    <a:lumOff val="15000"/>
+                  </a:schemeClr>
+                </a:solidFill>
+              </a:rPr>
+              <a:t>更新</a:t>
+            </a:r>
+            <a:r>
+              <a:rPr lang="ja-JP" altLang="en-US" dirty="0" smtClean="0">
+                <a:solidFill>
+                  <a:schemeClr val="tx1">
+                    <a:lumMod val="85000"/>
+                    <a:lumOff val="15000"/>
+                  </a:schemeClr>
+                </a:solidFill>
+              </a:rPr>
+              <a:t>します。</a:t>
             </a:r>
             <a:endParaRPr lang="en-US" altLang="ja-JP" dirty="0">
               <a:solidFill>
@@ -8332,8 +8476,8 @@
         </p:nvSpPr>
         <p:spPr>
           <a:xfrm>
-            <a:off x="5055419" y="3333888"/>
-            <a:ext cx="3250381" cy="831273"/>
+            <a:off x="4897637" y="3333888"/>
+            <a:ext cx="3393989" cy="831273"/>
           </a:xfrm>
           <a:prstGeom prst="borderCallout2">
             <a:avLst>
@@ -8426,7 +8570,18 @@
                   </a:schemeClr>
                 </a:solidFill>
               </a:rPr>
-              <a:t>に設定された値を取得</a:t>
+              <a:t>に設定された値を</a:t>
+            </a:r>
+            <a:r>
+              <a:rPr lang="ja-JP" altLang="en-US" dirty="0" smtClean="0">
+                <a:solidFill>
+                  <a:schemeClr val="tx1">
+                    <a:lumMod val="85000"/>
+                    <a:lumOff val="15000"/>
+                  </a:schemeClr>
+                </a:solidFill>
+              </a:rPr>
+              <a:t>取得します。</a:t>
             </a:r>
             <a:endParaRPr lang="en-US" altLang="ja-JP" dirty="0">
               <a:solidFill>
@@ -8589,7 +8744,18 @@
                   </a:schemeClr>
                 </a:solidFill>
               </a:rPr>
-              <a:t>に設定された値を取得</a:t>
+              <a:t>に設定された値を</a:t>
+            </a:r>
+            <a:r>
+              <a:rPr lang="ja-JP" altLang="en-US" dirty="0" smtClean="0">
+                <a:solidFill>
+                  <a:schemeClr val="tx1">
+                    <a:lumMod val="85000"/>
+                    <a:lumOff val="15000"/>
+                  </a:schemeClr>
+                </a:solidFill>
+              </a:rPr>
+              <a:t>取得します。</a:t>
             </a:r>
             <a:endParaRPr lang="en-US" altLang="ja-JP" dirty="0">
               <a:solidFill>
@@ -8861,15 +9027,7 @@
           <a:p>
             <a:r>
               <a:rPr kumimoji="1" lang="ja-JP" altLang="en-US" dirty="0" smtClean="0"/>
-              <a:t>コンポーネント</a:t>
-            </a:r>
-            <a:r>
-              <a:rPr lang="ja-JP" altLang="en-US" dirty="0" smtClean="0"/>
-              <a:t>について</a:t>
-            </a:r>
-            <a:r>
-              <a:rPr kumimoji="1" lang="ja-JP" altLang="en-US" dirty="0" smtClean="0"/>
-              <a:t> </a:t>
+              <a:t>コンポーネント </a:t>
             </a:r>
             <a:r>
               <a:rPr kumimoji="1" lang="en-US" altLang="ja-JP" dirty="0" smtClean="0"/>
@@ -9853,12 +10011,20 @@
           </a:lstStyle>
           <a:p>
             <a:r>
+              <a:rPr lang="ja-JP" altLang="en-US" dirty="0" smtClean="0"/>
+              <a:t>コンポーネントの</a:t>
+            </a:r>
+            <a:r>
               <a:rPr lang="en-US" altLang="ja-JP" dirty="0" smtClean="0"/>
               <a:t>state</a:t>
             </a:r>
             <a:r>
               <a:rPr lang="ja-JP" altLang="en-US" dirty="0" smtClean="0"/>
-              <a:t>が更新されることにより再描画が発生する</a:t>
+              <a:t>が更新されることにより再描画が</a:t>
+            </a:r>
+            <a:r>
+              <a:rPr lang="ja-JP" altLang="en-US" dirty="0" smtClean="0"/>
+              <a:t>発生します。</a:t>
             </a:r>
             <a:endParaRPr lang="en-US" altLang="ja-JP" dirty="0"/>
           </a:p>
@@ -10141,15 +10307,7 @@
           <a:p>
             <a:r>
               <a:rPr kumimoji="1" lang="ja-JP" altLang="en-US" dirty="0" smtClean="0"/>
-              <a:t>コンポーネント</a:t>
-            </a:r>
-            <a:r>
-              <a:rPr lang="ja-JP" altLang="en-US" dirty="0" smtClean="0"/>
-              <a:t>について</a:t>
-            </a:r>
-            <a:r>
-              <a:rPr kumimoji="1" lang="ja-JP" altLang="en-US" dirty="0" smtClean="0"/>
-              <a:t> </a:t>
+              <a:t>コンポーネント </a:t>
             </a:r>
             <a:r>
               <a:rPr kumimoji="1" lang="en-US" altLang="ja-JP" dirty="0" smtClean="0"/>
@@ -10335,7 +10493,11 @@
             </a:r>
             <a:r>
               <a:rPr lang="ja-JP" altLang="en-US" dirty="0" smtClean="0"/>
-              <a:t>の特徴を以下の表にまとめる</a:t>
+              <a:t>の特徴を以下の表に</a:t>
+            </a:r>
+            <a:r>
+              <a:rPr lang="ja-JP" altLang="en-US" dirty="0" smtClean="0"/>
+              <a:t>まとめます。</a:t>
             </a:r>
             <a:endParaRPr lang="en-US" altLang="ja-JP" dirty="0"/>
           </a:p>
